--- a/Védési ppt sablon minta.pptx
+++ b/Védési ppt sablon minta.pptx
@@ -244,7 +244,7 @@
           <a:p>
             <a:fld id="{431EC5D9-14EA-4073-BCF7-21AF91E5A6EC}" type="datetimeFigureOut">
               <a:rPr lang="hu-HU" smtClean="0"/>
-              <a:t>2022. 04. 11.</a:t>
+              <a:t>2022.04.12.</a:t>
             </a:fld>
             <a:endParaRPr lang="hu-HU"/>
           </a:p>
@@ -308,38 +308,37 @@
           <a:p>
             <a:pPr lvl="0"/>
             <a:r>
-              <a:rPr lang="hu-HU" smtClean="0"/>
+              <a:rPr lang="hu-HU"/>
               <a:t>Mintaszöveg szerkesztése</a:t>
             </a:r>
           </a:p>
           <a:p>
             <a:pPr lvl="1"/>
             <a:r>
-              <a:rPr lang="hu-HU" smtClean="0"/>
+              <a:rPr lang="hu-HU"/>
               <a:t>Második szint</a:t>
             </a:r>
           </a:p>
           <a:p>
             <a:pPr lvl="2"/>
             <a:r>
-              <a:rPr lang="hu-HU" smtClean="0"/>
+              <a:rPr lang="hu-HU"/>
               <a:t>Harmadik szint</a:t>
             </a:r>
           </a:p>
           <a:p>
             <a:pPr lvl="3"/>
             <a:r>
-              <a:rPr lang="hu-HU" smtClean="0"/>
+              <a:rPr lang="hu-HU"/>
               <a:t>Negyedik szint</a:t>
             </a:r>
           </a:p>
           <a:p>
             <a:pPr lvl="4"/>
             <a:r>
-              <a:rPr lang="hu-HU" smtClean="0"/>
+              <a:rPr lang="hu-HU"/>
               <a:t>Ötödik szint</a:t>
             </a:r>
-            <a:endParaRPr lang="hu-HU"/>
           </a:p>
         </p:txBody>
       </p:sp>
@@ -698,7 +697,7 @@
             <a:fld id="{43CDACE8-B908-4BCA-B0D2-2F2B4B9F69E4}" type="datetime1">
               <a:rPr lang="hu-HU" smtClean="0"/>
               <a:pPr/>
-              <a:t>2022. 04. 11.</a:t>
+              <a:t>2022.04.12.</a:t>
             </a:fld>
             <a:endParaRPr lang="hu-HU"/>
           </a:p>
@@ -868,7 +867,7 @@
             <a:fld id="{41E94617-5A3E-46AE-94D1-EC8B61E0CF3F}" type="datetime1">
               <a:rPr lang="hu-HU" smtClean="0"/>
               <a:pPr/>
-              <a:t>2022. 04. 11.</a:t>
+              <a:t>2022.04.12.</a:t>
             </a:fld>
             <a:endParaRPr lang="hu-HU"/>
           </a:p>
@@ -1048,7 +1047,7 @@
             <a:fld id="{837D4814-E5D6-478B-BFEB-3B058E46087F}" type="datetime1">
               <a:rPr lang="hu-HU" smtClean="0"/>
               <a:pPr/>
-              <a:t>2022. 04. 11.</a:t>
+              <a:t>2022.04.12.</a:t>
             </a:fld>
             <a:endParaRPr lang="hu-HU"/>
           </a:p>
@@ -1415,7 +1414,7 @@
             <a:fld id="{C5F33BC4-C46E-4DB3-ABA1-770966218DD7}" type="datetime1">
               <a:rPr lang="hu-HU" smtClean="0"/>
               <a:pPr/>
-              <a:t>2022. 04. 11.</a:t>
+              <a:t>2022.04.12.</a:t>
             </a:fld>
             <a:endParaRPr lang="hu-HU"/>
           </a:p>
@@ -1702,7 +1701,7 @@
             <a:fld id="{912A8047-A0FE-46B9-8291-14DCB3E381BD}" type="datetime1">
               <a:rPr lang="hu-HU" smtClean="0"/>
               <a:pPr/>
-              <a:t>2022. 04. 11.</a:t>
+              <a:t>2022.04.12.</a:t>
             </a:fld>
             <a:endParaRPr lang="hu-HU"/>
           </a:p>
@@ -2123,7 +2122,7 @@
             <a:fld id="{E0C46781-2A44-4AAD-BB4C-CD9C91A27BE9}" type="datetime1">
               <a:rPr lang="hu-HU" smtClean="0"/>
               <a:pPr/>
-              <a:t>2022. 04. 11.</a:t>
+              <a:t>2022.04.12.</a:t>
             </a:fld>
             <a:endParaRPr lang="hu-HU"/>
           </a:p>
@@ -2242,7 +2241,7 @@
             <a:fld id="{24B31C7E-F4B5-4B68-AA30-B84445760021}" type="datetime1">
               <a:rPr lang="hu-HU" smtClean="0"/>
               <a:pPr/>
-              <a:t>2022. 04. 11.</a:t>
+              <a:t>2022.04.12.</a:t>
             </a:fld>
             <a:endParaRPr lang="hu-HU"/>
           </a:p>
@@ -2339,7 +2338,7 @@
             <a:fld id="{ED1DA325-B8B2-4EA5-B4DC-065DE9D9C9E6}" type="datetime1">
               <a:rPr lang="hu-HU" smtClean="0"/>
               <a:pPr/>
-              <a:t>2022. 04. 11.</a:t>
+              <a:t>2022.04.12.</a:t>
             </a:fld>
             <a:endParaRPr lang="hu-HU"/>
           </a:p>
@@ -2616,7 +2615,7 @@
             <a:fld id="{EFE6C2C4-E2C5-4ADE-A4CB-ABBDF08E8EC8}" type="datetime1">
               <a:rPr lang="hu-HU" smtClean="0"/>
               <a:pPr/>
-              <a:t>2022. 04. 11.</a:t>
+              <a:t>2022.04.12.</a:t>
             </a:fld>
             <a:endParaRPr lang="hu-HU"/>
           </a:p>
@@ -2873,7 +2872,7 @@
             <a:fld id="{59765D8A-E461-4925-92FA-AB2AE71C2962}" type="datetime1">
               <a:rPr lang="hu-HU" smtClean="0"/>
               <a:pPr/>
-              <a:t>2022. 04. 11.</a:t>
+              <a:t>2022.04.12.</a:t>
             </a:fld>
             <a:endParaRPr lang="hu-HU"/>
           </a:p>
@@ -3093,7 +3092,7 @@
             <a:fld id="{953B8B21-AA05-40C7-B7DF-ACC7F8671153}" type="datetime1">
               <a:rPr lang="hu-HU" smtClean="0"/>
               <a:pPr/>
-              <a:t>2022. 04. 11.</a:t>
+              <a:t>2022.04.12.</a:t>
             </a:fld>
             <a:endParaRPr lang="hu-HU"/>
           </a:p>
@@ -3483,73 +3482,6 @@
           </a:bodyPr>
           <a:lstStyle/>
           <a:p>
-            <a:r>
-              <a:rPr lang="hu-HU" dirty="0" smtClean="0">
-                <a:solidFill>
-                  <a:schemeClr val="tx2">
-                    <a:lumMod val="75000"/>
-                  </a:schemeClr>
-                </a:solidFill>
-                <a:effectLst>
-                  <a:outerShdw blurRad="38100" dist="38100" dir="2700000" algn="tl">
-                    <a:srgbClr val="000000">
-                      <a:alpha val="43137"/>
-                    </a:srgbClr>
-                  </a:outerShdw>
-                </a:effectLst>
-              </a:rPr>
-              <a:t/>
-            </a:r>
-            <a:br>
-              <a:rPr lang="hu-HU" dirty="0" smtClean="0">
-                <a:solidFill>
-                  <a:schemeClr val="tx2">
-                    <a:lumMod val="75000"/>
-                  </a:schemeClr>
-                </a:solidFill>
-                <a:effectLst>
-                  <a:outerShdw blurRad="38100" dist="38100" dir="2700000" algn="tl">
-                    <a:srgbClr val="000000">
-                      <a:alpha val="43137"/>
-                    </a:srgbClr>
-                  </a:outerShdw>
-                </a:effectLst>
-              </a:rPr>
-            </a:br>
-            <a:r>
-              <a:rPr lang="hu-HU" dirty="0" smtClean="0">
-                <a:solidFill>
-                  <a:schemeClr val="tx2">
-                    <a:lumMod val="75000"/>
-                  </a:schemeClr>
-                </a:solidFill>
-                <a:effectLst>
-                  <a:outerShdw blurRad="38100" dist="38100" dir="2700000" algn="tl">
-                    <a:srgbClr val="000000">
-                      <a:alpha val="43137"/>
-                    </a:srgbClr>
-                  </a:outerShdw>
-                </a:effectLst>
-              </a:rPr>
-              <a:t>Projektfeladat </a:t>
-            </a:r>
-            <a:r>
-              <a:rPr lang="hu-HU" dirty="0">
-                <a:solidFill>
-                  <a:schemeClr val="tx2">
-                    <a:lumMod val="75000"/>
-                  </a:schemeClr>
-                </a:solidFill>
-                <a:effectLst>
-                  <a:outerShdw blurRad="38100" dist="38100" dir="2700000" algn="tl">
-                    <a:srgbClr val="000000">
-                      <a:alpha val="43137"/>
-                    </a:srgbClr>
-                  </a:outerShdw>
-                </a:effectLst>
-              </a:rPr>
-              <a:t>védése</a:t>
-            </a:r>
             <a:br>
               <a:rPr lang="hu-HU" dirty="0">
                 <a:solidFill>
@@ -3581,7 +3513,7 @@
                   </a:outerShdw>
                 </a:effectLst>
               </a:rPr>
-              <a:t/>
+              <a:t>Projektfeladat védése</a:t>
             </a:r>
             <a:br>
               <a:rPr lang="hu-HU" dirty="0">
@@ -3599,8 +3531,24 @@
                 </a:effectLst>
               </a:rPr>
             </a:br>
-            <a:r>
-              <a:rPr lang="hu-HU" sz="4800" dirty="0" smtClean="0">
+            <a:br>
+              <a:rPr lang="hu-HU" dirty="0">
+                <a:solidFill>
+                  <a:schemeClr val="tx2">
+                    <a:lumMod val="75000"/>
+                  </a:schemeClr>
+                </a:solidFill>
+                <a:effectLst>
+                  <a:outerShdw blurRad="38100" dist="38100" dir="2700000" algn="tl">
+                    <a:srgbClr val="000000">
+                      <a:alpha val="43137"/>
+                    </a:srgbClr>
+                  </a:outerShdw>
+                </a:effectLst>
+              </a:rPr>
+            </a:br>
+            <a:r>
+              <a:rPr lang="hu-HU" sz="4800" dirty="0">
                 <a:solidFill>
                   <a:schemeClr val="tx2">
                     <a:lumMod val="75000"/>
@@ -3617,7 +3565,7 @@
               <a:t>Tellér Ádám Balázs</a:t>
             </a:r>
             <a:br>
-              <a:rPr lang="hu-HU" sz="4800" dirty="0" smtClean="0">
+              <a:rPr lang="hu-HU" sz="4800" dirty="0">
                 <a:solidFill>
                   <a:schemeClr val="tx2">
                     <a:lumMod val="75000"/>
@@ -3633,29 +3581,15 @@
               </a:rPr>
             </a:br>
             <a:r>
-              <a:rPr lang="hu-HU" sz="2800" b="1" dirty="0" smtClean="0"/>
+              <a:rPr lang="hu-HU" sz="2800" b="1" dirty="0"/>
               <a:t>Szoftverfejlesztő és tesztelő</a:t>
-            </a:r>
-            <a:r>
-              <a:rPr lang="hu-HU" sz="2800" dirty="0"/>
-              <a:t/>
             </a:r>
             <a:br>
               <a:rPr lang="hu-HU" sz="2800" dirty="0"/>
             </a:br>
             <a:r>
-              <a:rPr lang="hu-HU" sz="3200" b="1" dirty="0" smtClean="0"/>
+              <a:rPr lang="hu-HU" sz="3200" b="1" dirty="0"/>
               <a:t>2022</a:t>
-            </a:r>
-            <a:r>
-              <a:rPr lang="hu-HU" b="1" dirty="0">
-                <a:solidFill>
-                  <a:schemeClr val="tx2">
-                    <a:lumMod val="75000"/>
-                  </a:schemeClr>
-                </a:solidFill>
-              </a:rPr>
-              <a:t/>
             </a:r>
             <a:br>
               <a:rPr lang="hu-HU" b="1" dirty="0">
@@ -3720,13 +3654,6 @@
   <p:clrMapOvr>
     <a:masterClrMapping/>
   </p:clrMapOvr>
-  <p:timing>
-    <p:tnLst>
-      <p:par>
-        <p:cTn id="1" dur="indefinite" restart="never" nodeType="tmRoot"/>
-      </p:par>
-    </p:tnLst>
-  </p:timing>
 </p:sld>
 </file>
 
@@ -3763,7 +3690,7 @@
           <a:lstStyle/>
           <a:p>
             <a:r>
-              <a:rPr lang="hu-HU" dirty="0" smtClean="0"/>
+              <a:rPr lang="hu-HU" dirty="0"/>
               <a:t>IT Webshop</a:t>
             </a:r>
             <a:endParaRPr lang="en-US" dirty="0"/>
@@ -3839,13 +3766,6 @@
   <p:clrMapOvr>
     <a:masterClrMapping/>
   </p:clrMapOvr>
-  <p:timing>
-    <p:tnLst>
-      <p:par>
-        <p:cTn id="1" dur="indefinite" restart="never" nodeType="tmRoot"/>
-      </p:par>
-    </p:tnLst>
-  </p:timing>
 </p:sld>
 </file>
 
@@ -3882,7 +3802,7 @@
           <a:lstStyle/>
           <a:p>
             <a:r>
-              <a:rPr lang="hu-HU" dirty="0" smtClean="0"/>
+              <a:rPr lang="hu-HU" dirty="0"/>
               <a:t>IT Webshop</a:t>
             </a:r>
             <a:endParaRPr lang="en-US" dirty="0"/>
@@ -3928,13 +3848,6 @@
   <p:clrMapOvr>
     <a:masterClrMapping/>
   </p:clrMapOvr>
-  <p:timing>
-    <p:tnLst>
-      <p:par>
-        <p:cTn id="1" dur="indefinite" restart="never" nodeType="tmRoot"/>
-      </p:par>
-    </p:tnLst>
-  </p:timing>
 </p:sld>
 </file>
 
@@ -3971,12 +3884,8 @@
           <a:lstStyle/>
           <a:p>
             <a:r>
-              <a:rPr lang="hu-HU" dirty="0" smtClean="0"/>
-              <a:t>Bevezetés</a:t>
-            </a:r>
-            <a:r>
               <a:rPr lang="hu-HU" dirty="0"/>
-              <a:t>, téma indoklása</a:t>
+              <a:t>Bevezetés, téma indoklása</a:t>
             </a:r>
             <a:endParaRPr lang="en-US" dirty="0"/>
           </a:p>
@@ -4006,7 +3915,7 @@
               <a:buNone/>
             </a:pPr>
             <a:r>
-              <a:rPr lang="hu-HU" dirty="0" smtClean="0"/>
+              <a:rPr lang="hu-HU" dirty="0"/>
               <a:t>A feladatunk egy IT Webáruház készítése volt,</a:t>
             </a:r>
           </a:p>
@@ -4016,15 +3925,7 @@
             </a:pPr>
             <a:r>
               <a:rPr lang="hu-HU" dirty="0"/>
-              <a:t>a</a:t>
-            </a:r>
-            <a:r>
-              <a:rPr lang="hu-HU" dirty="0" smtClean="0"/>
-              <a:t>mi </a:t>
-            </a:r>
-            <a:r>
-              <a:rPr lang="hu-HU" dirty="0" smtClean="0"/>
-              <a:t>Számítógép alkatrészeket árul el a vásárlóknak.</a:t>
+              <a:t>ami Számítógép alkatrészeket árul.</a:t>
             </a:r>
           </a:p>
           <a:p>
@@ -4032,11 +3933,11 @@
               <a:buNone/>
             </a:pPr>
             <a:r>
-              <a:rPr lang="hu-HU" dirty="0" err="1" smtClean="0"/>
+              <a:rPr lang="hu-HU" dirty="0" err="1"/>
               <a:t>Admin</a:t>
             </a:r>
             <a:r>
-              <a:rPr lang="hu-HU" dirty="0" smtClean="0"/>
+              <a:rPr lang="hu-HU" dirty="0"/>
               <a:t> feladata :</a:t>
             </a:r>
           </a:p>
@@ -4046,7 +3947,7 @@
               <a:buAutoNum type="arabicPeriod"/>
             </a:pPr>
             <a:r>
-              <a:rPr lang="hu-HU" dirty="0" smtClean="0"/>
+              <a:rPr lang="hu-HU" dirty="0"/>
               <a:t>Termékek Törlése</a:t>
             </a:r>
           </a:p>
@@ -4056,14 +3957,14 @@
               <a:buAutoNum type="arabicPeriod"/>
             </a:pPr>
             <a:r>
-              <a:rPr lang="hu-HU" dirty="0" smtClean="0"/>
+              <a:rPr lang="hu-HU" dirty="0"/>
               <a:t>Termékek </a:t>
             </a:r>
             <a:r>
-              <a:rPr lang="hu-HU" dirty="0" err="1" smtClean="0"/>
+              <a:rPr lang="hu-HU" dirty="0" err="1"/>
               <a:t>Modosítása</a:t>
             </a:r>
-            <a:endParaRPr lang="hu-HU" dirty="0" smtClean="0"/>
+            <a:endParaRPr lang="hu-HU" dirty="0"/>
           </a:p>
           <a:p>
             <a:pPr marL="514350" indent="-514350">
@@ -4071,7 +3972,7 @@
               <a:buAutoNum type="arabicPeriod"/>
             </a:pPr>
             <a:r>
-              <a:rPr lang="hu-HU" dirty="0" smtClean="0"/>
+              <a:rPr lang="hu-HU" dirty="0"/>
               <a:t>Új termék felvitele a z oldalra</a:t>
             </a:r>
           </a:p>
@@ -4090,13 +3991,6 @@
   <p:clrMapOvr>
     <a:masterClrMapping/>
   </p:clrMapOvr>
-  <p:timing>
-    <p:tnLst>
-      <p:par>
-        <p:cTn id="1" dur="indefinite" restart="never" nodeType="tmRoot"/>
-      </p:par>
-    </p:tnLst>
-  </p:timing>
 </p:sld>
 </file>
 
@@ -4156,9 +4050,54 @@
           <a:lstStyle/>
           <a:p>
             <a:r>
-              <a:rPr lang="hu-HU" dirty="0" smtClean="0"/>
-              <a:t>A</a:t>
-            </a:r>
+              <a:rPr lang="hu-HU" dirty="0"/>
+              <a:t>Az én feladataim:</a:t>
+            </a:r>
+          </a:p>
+          <a:p>
+            <a:pPr marL="514350" indent="-514350">
+              <a:buFont typeface="+mj-lt"/>
+              <a:buAutoNum type="arabicPeriod"/>
+            </a:pPr>
+            <a:r>
+              <a:rPr lang="hu-HU" dirty="0" err="1"/>
+              <a:t>Registráció</a:t>
+            </a:r>
+            <a:r>
+              <a:rPr lang="hu-HU" dirty="0"/>
+              <a:t> és Bejelentkezés oldal</a:t>
+            </a:r>
+          </a:p>
+          <a:p>
+            <a:pPr marL="514350" indent="-514350">
+              <a:buFont typeface="+mj-lt"/>
+              <a:buAutoNum type="arabicPeriod"/>
+            </a:pPr>
+            <a:r>
+              <a:rPr lang="hu-HU" dirty="0" err="1"/>
+              <a:t>Admin</a:t>
+            </a:r>
+            <a:r>
+              <a:rPr lang="hu-HU" dirty="0"/>
+              <a:t> oldal</a:t>
+            </a:r>
+          </a:p>
+          <a:p>
+            <a:pPr marL="514350" indent="-514350">
+              <a:buFont typeface="+mj-lt"/>
+              <a:buAutoNum type="arabicPeriod"/>
+            </a:pPr>
+            <a:r>
+              <a:rPr lang="hu-HU"/>
+              <a:t>backend</a:t>
+            </a:r>
+            <a:endParaRPr lang="hu-HU" dirty="0"/>
+          </a:p>
+          <a:p>
+            <a:pPr marL="514350" indent="-514350">
+              <a:buFont typeface="+mj-lt"/>
+              <a:buAutoNum type="arabicPeriod"/>
+            </a:pPr>
             <a:endParaRPr lang="en-US" dirty="0"/>
           </a:p>
         </p:txBody>
@@ -4245,13 +4184,6 @@
   <p:clrMapOvr>
     <a:masterClrMapping/>
   </p:clrMapOvr>
-  <p:timing>
-    <p:tnLst>
-      <p:par>
-        <p:cTn id="1" dur="indefinite" restart="never" nodeType="tmRoot"/>
-      </p:par>
-    </p:tnLst>
-  </p:timing>
 </p:sld>
 </file>
 
@@ -4301,20 +4233,12 @@
             <a:br>
               <a:rPr lang="hu-HU" dirty="0"/>
             </a:br>
-            <a:r>
-              <a:rPr lang="hu-HU" dirty="0"/>
-              <a:t/>
-            </a:r>
             <a:br>
               <a:rPr lang="hu-HU" dirty="0"/>
             </a:br>
             <a:r>
-              <a:rPr lang="hu-HU" dirty="0" smtClean="0"/>
+              <a:rPr lang="hu-HU" dirty="0"/>
               <a:t>Tellér Ádám Balázs</a:t>
-            </a:r>
-            <a:r>
-              <a:rPr lang="hu-HU" dirty="0"/>
-              <a:t/>
             </a:r>
             <a:br>
               <a:rPr lang="hu-HU" dirty="0"/>
@@ -4333,13 +4257,6 @@
   <p:clrMapOvr>
     <a:masterClrMapping/>
   </p:clrMapOvr>
-  <p:timing>
-    <p:tnLst>
-      <p:par>
-        <p:cTn id="1" dur="indefinite" restart="never" nodeType="tmRoot"/>
-      </p:par>
-    </p:tnLst>
-  </p:timing>
 </p:sld>
 </file>
 
